--- a/Presentation/Movie_Reviews_Analysis_Slides.pptx
+++ b/Presentation/Movie_Reviews_Analysis_Slides.pptx
@@ -3191,7 +3191,7 @@
               </a:defRPr>
             </a:pPr>
             <a:r>
-              <a:t>December 2024</a:t>
+              <a:t>June 2025</a:t>
             </a:r>
           </a:p>
           <a:p>
